--- a/教學簡報/JavaScript - 3.pptx
+++ b/教學簡報/JavaScript - 3.pptx
@@ -125,7 +125,7 @@
             <p14:sldId id="259"/>
           </p14:sldIdLst>
         </p14:section>
-        <p14:section name="JavaScript DOM" id="{89266499-6275-4E4C-AF77-6C626DBDEE61}">
+        <p14:section name="JavaScript 互動式網頁" id="{89266499-6275-4E4C-AF77-6C626DBDEE61}">
           <p14:sldIdLst>
             <p14:sldId id="300"/>
             <p14:sldId id="301"/>
@@ -913,10 +913,7 @@
           <a:bodyPr/>
           <a:lstStyle/>
           <a:p>
-            <a:r>
-              <a:rPr lang="zh-TW" altLang="en-US" dirty="0"/>
-              <a:t>好，那剛剛科普完了，現在我們終於回到正題。</a:t>
-            </a:r>
+            <a:endParaRPr lang="zh-TW" altLang="en-US" dirty="0"/>
           </a:p>
         </p:txBody>
       </p:sp>
@@ -1000,10 +997,7 @@
           <a:bodyPr/>
           <a:lstStyle/>
           <a:p>
-            <a:r>
-              <a:rPr lang="zh-TW" altLang="en-US" dirty="0"/>
-              <a:t>好，那剛剛科普完了，現在我們終於回到正題。</a:t>
-            </a:r>
+            <a:endParaRPr lang="zh-TW" altLang="en-US" dirty="0"/>
           </a:p>
         </p:txBody>
       </p:sp>
@@ -1087,10 +1081,7 @@
           <a:bodyPr/>
           <a:lstStyle/>
           <a:p>
-            <a:r>
-              <a:rPr lang="zh-TW" altLang="en-US" dirty="0"/>
-              <a:t>好，那剛剛科普完了，現在我們終於回到正題。</a:t>
-            </a:r>
+            <a:endParaRPr lang="zh-TW" altLang="en-US" dirty="0"/>
           </a:p>
         </p:txBody>
       </p:sp>
@@ -1174,10 +1165,7 @@
           <a:bodyPr/>
           <a:lstStyle/>
           <a:p>
-            <a:r>
-              <a:rPr lang="zh-TW" altLang="en-US" dirty="0"/>
-              <a:t>好，那剛剛科普完了，現在我們終於回到正題。</a:t>
-            </a:r>
+            <a:endParaRPr lang="zh-TW" altLang="en-US" dirty="0"/>
           </a:p>
         </p:txBody>
       </p:sp>
@@ -1261,10 +1249,7 @@
           <a:bodyPr/>
           <a:lstStyle/>
           <a:p>
-            <a:r>
-              <a:rPr lang="zh-TW" altLang="en-US" dirty="0"/>
-              <a:t>好，那剛剛科普完了，現在我們終於回到正題。</a:t>
-            </a:r>
+            <a:endParaRPr lang="zh-TW" altLang="en-US" dirty="0"/>
           </a:p>
         </p:txBody>
       </p:sp>
@@ -1348,10 +1333,7 @@
           <a:bodyPr/>
           <a:lstStyle/>
           <a:p>
-            <a:r>
-              <a:rPr lang="zh-TW" altLang="en-US" dirty="0"/>
-              <a:t>好，那剛剛科普完了，現在我們終於回到正題。</a:t>
-            </a:r>
+            <a:endParaRPr lang="zh-TW" altLang="en-US" dirty="0"/>
           </a:p>
         </p:txBody>
       </p:sp>
@@ -1435,10 +1417,7 @@
           <a:bodyPr/>
           <a:lstStyle/>
           <a:p>
-            <a:r>
-              <a:rPr lang="zh-TW" altLang="en-US" dirty="0"/>
-              <a:t>好，那剛剛科普完了，現在我們終於回到正題。</a:t>
-            </a:r>
+            <a:endParaRPr lang="zh-TW" altLang="en-US" dirty="0"/>
           </a:p>
         </p:txBody>
       </p:sp>

--- a/教學簡報/JavaScript - 3.pptx
+++ b/教學簡報/JavaScript - 3.pptx
@@ -250,7 +250,7 @@
             <a:fld id="{A5DCF4EA-E40D-43F8-B4CB-7F82BC812DB7}" type="datetimeFigureOut">
               <a:rPr lang="zh-TW" altLang="en-US" smtClean="0"/>
               <a:pPr/>
-              <a:t>2020/7/14</a:t>
+              <a:t>2020/7/24</a:t>
             </a:fld>
             <a:endParaRPr lang="zh-TW" altLang="en-US" dirty="0"/>
           </a:p>
@@ -826,10 +826,7 @@
           <a:bodyPr/>
           <a:lstStyle/>
           <a:p>
-            <a:r>
-              <a:rPr lang="zh-TW" altLang="en-US" dirty="0"/>
-              <a:t>好，那剛剛科普完了，現在我們終於回到正題。</a:t>
-            </a:r>
+            <a:endParaRPr lang="zh-TW" altLang="en-US" dirty="0"/>
           </a:p>
         </p:txBody>
       </p:sp>
@@ -1588,7 +1585,7 @@
           <a:p>
             <a:fld id="{3D8CBC75-8284-403E-92F0-16B75D676E39}" type="datetimeFigureOut">
               <a:rPr lang="zh-TW" altLang="en-US" smtClean="0"/>
-              <a:t>2020/7/14</a:t>
+              <a:t>2020/7/24</a:t>
             </a:fld>
             <a:endParaRPr lang="zh-TW" altLang="en-US"/>
           </a:p>
@@ -1716,7 +1713,7 @@
           <a:p>
             <a:fld id="{3D8CBC75-8284-403E-92F0-16B75D676E39}" type="datetimeFigureOut">
               <a:rPr lang="zh-TW" altLang="en-US" smtClean="0"/>
-              <a:t>2020/7/14</a:t>
+              <a:t>2020/7/24</a:t>
             </a:fld>
             <a:endParaRPr lang="zh-TW" altLang="en-US"/>
           </a:p>
@@ -2059,7 +2056,7 @@
           <a:p>
             <a:fld id="{3D8CBC75-8284-403E-92F0-16B75D676E39}" type="datetimeFigureOut">
               <a:rPr lang="zh-TW" altLang="en-US" smtClean="0"/>
-              <a:t>2020/7/14</a:t>
+              <a:t>2020/7/24</a:t>
             </a:fld>
             <a:endParaRPr lang="zh-TW" altLang="en-US"/>
           </a:p>
@@ -2392,7 +2389,7 @@
           <a:p>
             <a:fld id="{3D8CBC75-8284-403E-92F0-16B75D676E39}" type="datetimeFigureOut">
               <a:rPr lang="zh-TW" altLang="en-US" smtClean="0"/>
-              <a:t>2020/7/14</a:t>
+              <a:t>2020/7/24</a:t>
             </a:fld>
             <a:endParaRPr lang="zh-TW" altLang="en-US"/>
           </a:p>
@@ -2761,7 +2758,7 @@
           <a:p>
             <a:fld id="{3D8CBC75-8284-403E-92F0-16B75D676E39}" type="datetimeFigureOut">
               <a:rPr lang="zh-TW" altLang="en-US" smtClean="0"/>
-              <a:t>2020/7/14</a:t>
+              <a:t>2020/7/24</a:t>
             </a:fld>
             <a:endParaRPr lang="zh-TW" altLang="en-US"/>
           </a:p>
@@ -2984,7 +2981,7 @@
           <a:p>
             <a:fld id="{3D8CBC75-8284-403E-92F0-16B75D676E39}" type="datetimeFigureOut">
               <a:rPr lang="zh-TW" altLang="en-US" smtClean="0"/>
-              <a:t>2020/7/14</a:t>
+              <a:t>2020/7/24</a:t>
             </a:fld>
             <a:endParaRPr lang="zh-TW" altLang="en-US"/>
           </a:p>
@@ -3514,7 +3511,7 @@
           <a:p>
             <a:fld id="{3D8CBC75-8284-403E-92F0-16B75D676E39}" type="datetimeFigureOut">
               <a:rPr lang="zh-TW" altLang="en-US" smtClean="0"/>
-              <a:t>2020/7/14</a:t>
+              <a:t>2020/7/24</a:t>
             </a:fld>
             <a:endParaRPr lang="zh-TW" altLang="en-US"/>
           </a:p>
@@ -3795,7 +3792,7 @@
           <a:p>
             <a:fld id="{3D8CBC75-8284-403E-92F0-16B75D676E39}" type="datetimeFigureOut">
               <a:rPr lang="zh-TW" altLang="en-US" smtClean="0"/>
-              <a:t>2020/7/14</a:t>
+              <a:t>2020/7/24</a:t>
             </a:fld>
             <a:endParaRPr lang="zh-TW" altLang="en-US"/>
           </a:p>
@@ -3982,7 +3979,7 @@
           <a:p>
             <a:fld id="{3D8CBC75-8284-403E-92F0-16B75D676E39}" type="datetimeFigureOut">
               <a:rPr lang="zh-TW" altLang="en-US" smtClean="0"/>
-              <a:t>2020/7/14</a:t>
+              <a:t>2020/7/24</a:t>
             </a:fld>
             <a:endParaRPr lang="zh-TW" altLang="en-US"/>
           </a:p>
@@ -4384,7 +4381,7 @@
           <a:p>
             <a:fld id="{3D8CBC75-8284-403E-92F0-16B75D676E39}" type="datetimeFigureOut">
               <a:rPr lang="zh-TW" altLang="en-US" smtClean="0"/>
-              <a:t>2020/7/14</a:t>
+              <a:t>2020/7/24</a:t>
             </a:fld>
             <a:endParaRPr lang="zh-TW" altLang="en-US"/>
           </a:p>
@@ -4804,7 +4801,7 @@
           <a:p>
             <a:fld id="{3D8CBC75-8284-403E-92F0-16B75D676E39}" type="datetimeFigureOut">
               <a:rPr lang="zh-TW" altLang="en-US" smtClean="0"/>
-              <a:t>2020/7/14</a:t>
+              <a:t>2020/7/24</a:t>
             </a:fld>
             <a:endParaRPr lang="zh-TW" altLang="en-US"/>
           </a:p>
@@ -5191,7 +5188,7 @@
             <a:fld id="{3D8CBC75-8284-403E-92F0-16B75D676E39}" type="datetimeFigureOut">
               <a:rPr lang="zh-TW" altLang="en-US" smtClean="0"/>
               <a:pPr/>
-              <a:t>2020/7/14</a:t>
+              <a:t>2020/7/24</a:t>
             </a:fld>
             <a:endParaRPr lang="zh-TW" altLang="en-US" dirty="0"/>
           </a:p>
@@ -5667,15 +5664,22 @@
           <a:p>
             <a:pPr algn="ctr"/>
             <a:r>
-              <a:rPr lang="zh-TW" altLang="en-US" sz="4000" dirty="0">
+              <a:rPr lang="zh-TW" altLang="en-US" sz="4000">
                 <a:solidFill>
                   <a:srgbClr val="0070C0"/>
                 </a:solidFill>
                 <a:latin typeface="微軟正黑體" panose="020B0604030504040204" pitchFamily="34" charset="-120"/>
                 <a:ea typeface="微軟正黑體" panose="020B0604030504040204" pitchFamily="34" charset="-120"/>
               </a:rPr>
-              <a:t>回家作業</a:t>
-            </a:r>
+              <a:t>作業</a:t>
+            </a:r>
+            <a:endParaRPr lang="zh-TW" altLang="en-US" sz="4000" dirty="0">
+              <a:solidFill>
+                <a:srgbClr val="0070C0"/>
+              </a:solidFill>
+              <a:latin typeface="微軟正黑體" panose="020B0604030504040204" pitchFamily="34" charset="-120"/>
+              <a:ea typeface="微軟正黑體" panose="020B0604030504040204" pitchFamily="34" charset="-120"/>
+            </a:endParaRPr>
           </a:p>
         </p:txBody>
       </p:sp>
